--- a/Figures&Rmd/supp figure sim.pptx
+++ b/Figures&Rmd/supp figure sim.pptx
@@ -106,6 +106,11 @@
       </a:defRPr>
     </a:lvl9pPr>
   </p:defaultTextStyle>
+  <p:extLst>
+    <p:ext uri="{EFAFB233-063F-42B5-8137-9DF3F51BA10A}">
+      <p15:sldGuideLst xmlns:p15="http://schemas.microsoft.com/office/powerpoint/2012/main"/>
+    </p:ext>
+  </p:extLst>
 </p:presentation>
 </file>
 
@@ -3698,7 +3703,7 @@
             <a:pPr algn="ctr"/>
             <a:r>
               <a:rPr lang="en-US" sz="2400" b="1" dirty="0"/>
-              <a:t>Simulation of exponentially distributed intervals </a:t>
+              <a:t>Simulation of nest watches with exponentially distributed intervals </a:t>
             </a:r>
           </a:p>
         </p:txBody>
@@ -3980,42 +3985,6 @@
       </p:grpSpPr>
       <p:sp>
         <p:nvSpPr>
-          <p:cNvPr id="8" name="TextBox 7">
-            <a:extLst>
-              <a:ext uri="{FF2B5EF4-FFF2-40B4-BE49-F238E27FC236}">
-                <a16:creationId xmlns:a16="http://schemas.microsoft.com/office/drawing/2014/main" id="{5001108B-3351-485C-97EB-A8F60D4DD3F5}"/>
-              </a:ext>
-            </a:extLst>
-          </p:cNvPr>
-          <p:cNvSpPr txBox="1"/>
-          <p:nvPr/>
-        </p:nvSpPr>
-        <p:spPr>
-          <a:xfrm>
-            <a:off x="0" y="461818"/>
-            <a:ext cx="12192000" cy="461665"/>
-          </a:xfrm>
-          <a:prstGeom prst="rect">
-            <a:avLst/>
-          </a:prstGeom>
-          <a:noFill/>
-        </p:spPr>
-        <p:txBody>
-          <a:bodyPr wrap="square" rtlCol="0">
-            <a:spAutoFit/>
-          </a:bodyPr>
-          <a:lstStyle/>
-          <a:p>
-            <a:pPr algn="ctr"/>
-            <a:r>
-              <a:rPr lang="en-US" sz="2400" b="1" dirty="0"/>
-              <a:t>Simulation of exponentially distributed intervals </a:t>
-            </a:r>
-          </a:p>
-        </p:txBody>
-      </p:sp>
-      <p:sp>
-        <p:nvSpPr>
           <p:cNvPr id="9" name="TextBox 8">
             <a:extLst>
               <a:ext uri="{FF2B5EF4-FFF2-40B4-BE49-F238E27FC236}">
@@ -4226,10 +4195,10 @@
       </p:sp>
       <p:sp>
         <p:nvSpPr>
-          <p:cNvPr id="15" name="TextBox 14">
-            <a:extLst>
-              <a:ext uri="{FF2B5EF4-FFF2-40B4-BE49-F238E27FC236}">
-                <a16:creationId xmlns:a16="http://schemas.microsoft.com/office/drawing/2014/main" id="{7CCB9807-A15A-4CDA-85FB-520AA5EC2A09}"/>
+          <p:cNvPr id="16" name="TextBox 15">
+            <a:extLst>
+              <a:ext uri="{FF2B5EF4-FFF2-40B4-BE49-F238E27FC236}">
+                <a16:creationId xmlns:a16="http://schemas.microsoft.com/office/drawing/2014/main" id="{3208E202-E4E7-45B2-AA0E-38CAB0D03A82}"/>
               </a:ext>
             </a:extLst>
           </p:cNvPr>
@@ -4238,8 +4207,8 @@
         </p:nvSpPr>
         <p:spPr>
           <a:xfrm>
-            <a:off x="8624504" y="2016282"/>
-            <a:ext cx="3362038" cy="646331"/>
+            <a:off x="8624504" y="2146635"/>
+            <a:ext cx="3362038" cy="1477328"/>
           </a:xfrm>
           <a:prstGeom prst="rect">
             <a:avLst/>
@@ -4254,17 +4223,17 @@
           <a:p>
             <a:r>
               <a:rPr lang="en-US" dirty="0"/>
-              <a:t>3. Repeat 1. and 2. for each partners</a:t>
-            </a:r>
-          </a:p>
-        </p:txBody>
-      </p:sp>
-      <p:sp>
-        <p:nvSpPr>
-          <p:cNvPr id="16" name="TextBox 15">
-            <a:extLst>
-              <a:ext uri="{FF2B5EF4-FFF2-40B4-BE49-F238E27FC236}">
-                <a16:creationId xmlns:a16="http://schemas.microsoft.com/office/drawing/2014/main" id="{3208E202-E4E7-45B2-AA0E-38CAB0D03A82}"/>
+              <a:t>3. Combine two birds’ nest visit times to form a simulate nest watch and calculate the number of alternated and synchronized visits</a:t>
+            </a:r>
+          </a:p>
+        </p:txBody>
+      </p:sp>
+      <p:sp>
+        <p:nvSpPr>
+          <p:cNvPr id="17" name="TextBox 16">
+            <a:extLst>
+              <a:ext uri="{FF2B5EF4-FFF2-40B4-BE49-F238E27FC236}">
+                <a16:creationId xmlns:a16="http://schemas.microsoft.com/office/drawing/2014/main" id="{7960B7D4-67D5-4F4F-A58A-BD5686DA415F}"/>
               </a:ext>
             </a:extLst>
           </p:cNvPr>
@@ -4273,8 +4242,8 @@
         </p:nvSpPr>
         <p:spPr>
           <a:xfrm>
-            <a:off x="8624504" y="2802415"/>
-            <a:ext cx="3362038" cy="1477328"/>
+            <a:off x="8624504" y="3763765"/>
+            <a:ext cx="3362038" cy="923330"/>
           </a:xfrm>
           <a:prstGeom prst="rect">
             <a:avLst/>
@@ -4289,17 +4258,17 @@
           <a:p>
             <a:r>
               <a:rPr lang="en-US" dirty="0"/>
-              <a:t>4. Combine male and female’s nest visit times to form a simulate nest watch and calculate the number of alternated and synchronized visits</a:t>
-            </a:r>
-          </a:p>
-        </p:txBody>
-      </p:sp>
-      <p:sp>
-        <p:nvSpPr>
-          <p:cNvPr id="17" name="TextBox 16">
-            <a:extLst>
-              <a:ext uri="{FF2B5EF4-FFF2-40B4-BE49-F238E27FC236}">
-                <a16:creationId xmlns:a16="http://schemas.microsoft.com/office/drawing/2014/main" id="{7960B7D4-67D5-4F4F-A58A-BD5686DA415F}"/>
+              <a:t>4. Repeat 1599 times (the number of observed nest watches)</a:t>
+            </a:r>
+          </a:p>
+        </p:txBody>
+      </p:sp>
+      <p:sp>
+        <p:nvSpPr>
+          <p:cNvPr id="18" name="TextBox 17">
+            <a:extLst>
+              <a:ext uri="{FF2B5EF4-FFF2-40B4-BE49-F238E27FC236}">
+                <a16:creationId xmlns:a16="http://schemas.microsoft.com/office/drawing/2014/main" id="{D62F228E-47D9-4BF9-94CC-FE7B976E6CDD}"/>
               </a:ext>
             </a:extLst>
           </p:cNvPr>
@@ -4308,8 +4277,8 @@
         </p:nvSpPr>
         <p:spPr>
           <a:xfrm>
-            <a:off x="8624504" y="4419545"/>
-            <a:ext cx="3362038" cy="923330"/>
+            <a:off x="0" y="461818"/>
+            <a:ext cx="12192000" cy="461665"/>
           </a:xfrm>
           <a:prstGeom prst="rect">
             <a:avLst/>
@@ -4322,9 +4291,10 @@
           </a:bodyPr>
           <a:lstStyle/>
           <a:p>
-            <a:r>
-              <a:rPr lang="en-US" dirty="0"/>
-              <a:t>5. Repeat 1599 times (the number of observed nest watches)</a:t>
+            <a:pPr algn="ctr"/>
+            <a:r>
+              <a:rPr lang="en-US" sz="2400" b="1" dirty="0"/>
+              <a:t>Simulation of nest watches with exponentially distributed intervals </a:t>
             </a:r>
           </a:p>
         </p:txBody>

--- a/Figures&Rmd/supp figure sim.pptx
+++ b/Figures&Rmd/supp figure sim.pptx
@@ -261,7 +261,7 @@
           <a:p>
             <a:fld id="{0ADD2CDD-3CA3-4A16-A073-D2D61370AC31}" type="datetimeFigureOut">
               <a:rPr lang="en-US" smtClean="0"/>
-              <a:t>3/13/2019</a:t>
+              <a:t>3/14/2019</a:t>
             </a:fld>
             <a:endParaRPr lang="en-US"/>
           </a:p>
@@ -459,7 +459,7 @@
           <a:p>
             <a:fld id="{0ADD2CDD-3CA3-4A16-A073-D2D61370AC31}" type="datetimeFigureOut">
               <a:rPr lang="en-US" smtClean="0"/>
-              <a:t>3/13/2019</a:t>
+              <a:t>3/14/2019</a:t>
             </a:fld>
             <a:endParaRPr lang="en-US"/>
           </a:p>
@@ -667,7 +667,7 @@
           <a:p>
             <a:fld id="{0ADD2CDD-3CA3-4A16-A073-D2D61370AC31}" type="datetimeFigureOut">
               <a:rPr lang="en-US" smtClean="0"/>
-              <a:t>3/13/2019</a:t>
+              <a:t>3/14/2019</a:t>
             </a:fld>
             <a:endParaRPr lang="en-US"/>
           </a:p>
@@ -865,7 +865,7 @@
           <a:p>
             <a:fld id="{0ADD2CDD-3CA3-4A16-A073-D2D61370AC31}" type="datetimeFigureOut">
               <a:rPr lang="en-US" smtClean="0"/>
-              <a:t>3/13/2019</a:t>
+              <a:t>3/14/2019</a:t>
             </a:fld>
             <a:endParaRPr lang="en-US"/>
           </a:p>
@@ -1140,7 +1140,7 @@
           <a:p>
             <a:fld id="{0ADD2CDD-3CA3-4A16-A073-D2D61370AC31}" type="datetimeFigureOut">
               <a:rPr lang="en-US" smtClean="0"/>
-              <a:t>3/13/2019</a:t>
+              <a:t>3/14/2019</a:t>
             </a:fld>
             <a:endParaRPr lang="en-US"/>
           </a:p>
@@ -1405,7 +1405,7 @@
           <a:p>
             <a:fld id="{0ADD2CDD-3CA3-4A16-A073-D2D61370AC31}" type="datetimeFigureOut">
               <a:rPr lang="en-US" smtClean="0"/>
-              <a:t>3/13/2019</a:t>
+              <a:t>3/14/2019</a:t>
             </a:fld>
             <a:endParaRPr lang="en-US"/>
           </a:p>
@@ -1817,7 +1817,7 @@
           <a:p>
             <a:fld id="{0ADD2CDD-3CA3-4A16-A073-D2D61370AC31}" type="datetimeFigureOut">
               <a:rPr lang="en-US" smtClean="0"/>
-              <a:t>3/13/2019</a:t>
+              <a:t>3/14/2019</a:t>
             </a:fld>
             <a:endParaRPr lang="en-US"/>
           </a:p>
@@ -1958,7 +1958,7 @@
           <a:p>
             <a:fld id="{0ADD2CDD-3CA3-4A16-A073-D2D61370AC31}" type="datetimeFigureOut">
               <a:rPr lang="en-US" smtClean="0"/>
-              <a:t>3/13/2019</a:t>
+              <a:t>3/14/2019</a:t>
             </a:fld>
             <a:endParaRPr lang="en-US"/>
           </a:p>
@@ -2071,7 +2071,7 @@
           <a:p>
             <a:fld id="{0ADD2CDD-3CA3-4A16-A073-D2D61370AC31}" type="datetimeFigureOut">
               <a:rPr lang="en-US" smtClean="0"/>
-              <a:t>3/13/2019</a:t>
+              <a:t>3/14/2019</a:t>
             </a:fld>
             <a:endParaRPr lang="en-US"/>
           </a:p>
@@ -2382,7 +2382,7 @@
           <a:p>
             <a:fld id="{0ADD2CDD-3CA3-4A16-A073-D2D61370AC31}" type="datetimeFigureOut">
               <a:rPr lang="en-US" smtClean="0"/>
-              <a:t>3/13/2019</a:t>
+              <a:t>3/14/2019</a:t>
             </a:fld>
             <a:endParaRPr lang="en-US"/>
           </a:p>
@@ -2670,7 +2670,7 @@
           <a:p>
             <a:fld id="{0ADD2CDD-3CA3-4A16-A073-D2D61370AC31}" type="datetimeFigureOut">
               <a:rPr lang="en-US" smtClean="0"/>
-              <a:t>3/13/2019</a:t>
+              <a:t>3/14/2019</a:t>
             </a:fld>
             <a:endParaRPr lang="en-US"/>
           </a:p>
@@ -2911,7 +2911,7 @@
           <a:p>
             <a:fld id="{0ADD2CDD-3CA3-4A16-A073-D2D61370AC31}" type="datetimeFigureOut">
               <a:rPr lang="en-US" smtClean="0"/>
-              <a:t>3/13/2019</a:t>
+              <a:t>3/14/2019</a:t>
             </a:fld>
             <a:endParaRPr lang="en-US"/>
           </a:p>
@@ -4188,7 +4188,27 @@
             <a:pPr algn="ctr"/>
             <a:r>
               <a:rPr lang="en-US" sz="1600" dirty="0"/>
-              <a:t>a. For each bird and its number of provisioning visit simulated, draw a similar number of nest entrance times</a:t>
+              <a:t>a. For each bird and its number of provisioning visit simulated (</a:t>
+            </a:r>
+            <a:r>
+              <a:rPr lang="en-US" sz="1600" i="1" dirty="0" err="1"/>
+              <a:t>nV</a:t>
+            </a:r>
+            <a:r>
+              <a:rPr lang="en-US" sz="1600" dirty="0"/>
+              <a:t>), draw  </a:t>
+            </a:r>
+            <a:r>
+              <a:rPr lang="en-US" sz="1600" i="1" dirty="0" err="1"/>
+              <a:t>nV</a:t>
+            </a:r>
+            <a:r>
+              <a:rPr lang="en-US" sz="1600" i="1" dirty="0"/>
+              <a:t> </a:t>
+            </a:r>
+            <a:r>
+              <a:rPr lang="en-US" sz="1600" dirty="0"/>
+              <a:t>number of nest entrance times</a:t>
             </a:r>
           </a:p>
         </p:txBody>
@@ -4258,7 +4278,7 @@
           <a:p>
             <a:r>
               <a:rPr lang="en-US" dirty="0"/>
-              <a:t>4. Repeat 1599 times (the number of observed nest watches)</a:t>
+              <a:t>4. Repeat many times (here 1599, the number of observed nest watches)</a:t>
             </a:r>
           </a:p>
         </p:txBody>
